--- a/Orionhack.pptx
+++ b/Orionhack.pptx
@@ -5,12 +5,13 @@
     <p:sldMasterId id="2147483648" r:id="rId1"/>
   </p:sldMasterIdLst>
   <p:notesMasterIdLst>
-    <p:notesMasterId r:id="rId5"/>
+    <p:notesMasterId r:id="rId6"/>
   </p:notesMasterIdLst>
   <p:sldIdLst>
     <p:sldId id="258" r:id="rId2"/>
     <p:sldId id="259" r:id="rId3"/>
     <p:sldId id="260" r:id="rId4"/>
+    <p:sldId id="261" r:id="rId5"/>
   </p:sldIdLst>
   <p:sldSz cx="12192000" cy="6858000"/>
   <p:notesSz cx="6858000" cy="9144000"/>
@@ -121,12 +122,266 @@
 <p1510:revInfo xmlns:a="http://schemas.openxmlformats.org/drawingml/2006/main" xmlns:r="http://schemas.openxmlformats.org/officeDocument/2006/relationships" xmlns:p1510="http://schemas.microsoft.com/office/powerpoint/2015/10/main">
   <p1510:revLst>
     <p1510:client id="{2089A280-0E8A-464B-8966-A9F71542C34D}" v="5" dt="2023-07-30T10:57:36.308"/>
+    <p1510:client id="{3DF66E47-4A29-4B88-8C40-6D8C259464C2}" v="246" dt="2023-07-30T13:53:44.608"/>
   </p1510:revLst>
 </p1510:revInfo>
 </file>
 
 <file path=ppt/changesInfos/changesInfo1.xml><?xml version="1.0" encoding="utf-8"?>
 <pc:chgInfo xmlns:a="http://schemas.openxmlformats.org/drawingml/2006/main" xmlns:r="http://schemas.openxmlformats.org/officeDocument/2006/relationships" xmlns:ac="http://schemas.microsoft.com/office/drawing/2013/main/command" xmlns:pc="http://schemas.microsoft.com/office/powerpoint/2013/main/command">
+  <pc:docChgLst>
+    <pc:chgData name="Fang, Tian" userId="8459d6b1-f980-47a2-b279-a0e1e5e6e762" providerId="ADAL" clId="{3DF66E47-4A29-4B88-8C40-6D8C259464C2}"/>
+    <pc:docChg chg="undo custSel addSld modSld">
+      <pc:chgData name="Fang, Tian" userId="8459d6b1-f980-47a2-b279-a0e1e5e6e762" providerId="ADAL" clId="{3DF66E47-4A29-4B88-8C40-6D8C259464C2}" dt="2023-07-30T13:54:28.261" v="792" actId="404"/>
+      <pc:docMkLst>
+        <pc:docMk/>
+      </pc:docMkLst>
+      <pc:sldChg chg="modSp mod">
+        <pc:chgData name="Fang, Tian" userId="8459d6b1-f980-47a2-b279-a0e1e5e6e762" providerId="ADAL" clId="{3DF66E47-4A29-4B88-8C40-6D8C259464C2}" dt="2023-07-30T13:54:28.261" v="792" actId="404"/>
+        <pc:sldMkLst>
+          <pc:docMk/>
+          <pc:sldMk cId="2381394616" sldId="258"/>
+        </pc:sldMkLst>
+        <pc:spChg chg="mod">
+          <ac:chgData name="Fang, Tian" userId="8459d6b1-f980-47a2-b279-a0e1e5e6e762" providerId="ADAL" clId="{3DF66E47-4A29-4B88-8C40-6D8C259464C2}" dt="2023-07-30T12:22:25.933" v="4" actId="20577"/>
+          <ac:spMkLst>
+            <pc:docMk/>
+            <pc:sldMk cId="2381394616" sldId="258"/>
+            <ac:spMk id="2" creationId="{7813A10A-494E-5F91-6458-2CF3F93BCA46}"/>
+          </ac:spMkLst>
+        </pc:spChg>
+        <pc:spChg chg="mod">
+          <ac:chgData name="Fang, Tian" userId="8459d6b1-f980-47a2-b279-a0e1e5e6e762" providerId="ADAL" clId="{3DF66E47-4A29-4B88-8C40-6D8C259464C2}" dt="2023-07-30T13:54:28.261" v="792" actId="404"/>
+          <ac:spMkLst>
+            <pc:docMk/>
+            <pc:sldMk cId="2381394616" sldId="258"/>
+            <ac:spMk id="3" creationId="{AC0F1531-B3F5-82BE-7E30-1D0018D94350}"/>
+          </ac:spMkLst>
+        </pc:spChg>
+      </pc:sldChg>
+      <pc:sldChg chg="addSp delSp modSp mod modAnim">
+        <pc:chgData name="Fang, Tian" userId="8459d6b1-f980-47a2-b279-a0e1e5e6e762" providerId="ADAL" clId="{3DF66E47-4A29-4B88-8C40-6D8C259464C2}" dt="2023-07-30T13:53:44.608" v="754"/>
+        <pc:sldMkLst>
+          <pc:docMk/>
+          <pc:sldMk cId="976865324" sldId="259"/>
+        </pc:sldMkLst>
+        <pc:spChg chg="add mod">
+          <ac:chgData name="Fang, Tian" userId="8459d6b1-f980-47a2-b279-a0e1e5e6e762" providerId="ADAL" clId="{3DF66E47-4A29-4B88-8C40-6D8C259464C2}" dt="2023-07-30T13:52:43.144" v="748" actId="1035"/>
+          <ac:spMkLst>
+            <pc:docMk/>
+            <pc:sldMk cId="976865324" sldId="259"/>
+            <ac:spMk id="8" creationId="{8A178BAF-6B30-BBAF-A0E2-98C019265C2B}"/>
+          </ac:spMkLst>
+        </pc:spChg>
+        <pc:spChg chg="add mod">
+          <ac:chgData name="Fang, Tian" userId="8459d6b1-f980-47a2-b279-a0e1e5e6e762" providerId="ADAL" clId="{3DF66E47-4A29-4B88-8C40-6D8C259464C2}" dt="2023-07-30T13:52:43.144" v="748" actId="1035"/>
+          <ac:spMkLst>
+            <pc:docMk/>
+            <pc:sldMk cId="976865324" sldId="259"/>
+            <ac:spMk id="9" creationId="{8BBB80E2-B26B-E9AD-2A9C-D7672FBF156C}"/>
+          </ac:spMkLst>
+        </pc:spChg>
+        <pc:spChg chg="add del mod">
+          <ac:chgData name="Fang, Tian" userId="8459d6b1-f980-47a2-b279-a0e1e5e6e762" providerId="ADAL" clId="{3DF66E47-4A29-4B88-8C40-6D8C259464C2}" dt="2023-07-30T13:52:34.452" v="742"/>
+          <ac:spMkLst>
+            <pc:docMk/>
+            <pc:sldMk cId="976865324" sldId="259"/>
+            <ac:spMk id="13" creationId="{B5BCB746-1AAE-4BCF-68FC-95DAC6966899}"/>
+          </ac:spMkLst>
+        </pc:spChg>
+        <pc:spChg chg="add">
+          <ac:chgData name="Fang, Tian" userId="8459d6b1-f980-47a2-b279-a0e1e5e6e762" providerId="ADAL" clId="{3DF66E47-4A29-4B88-8C40-6D8C259464C2}" dt="2023-07-30T13:53:24.190" v="749"/>
+          <ac:spMkLst>
+            <pc:docMk/>
+            <pc:sldMk cId="976865324" sldId="259"/>
+            <ac:spMk id="14" creationId="{E4E9F6A1-88F1-4B43-B2FD-DB954700CE8E}"/>
+          </ac:spMkLst>
+        </pc:spChg>
+        <pc:picChg chg="add mod">
+          <ac:chgData name="Fang, Tian" userId="8459d6b1-f980-47a2-b279-a0e1e5e6e762" providerId="ADAL" clId="{3DF66E47-4A29-4B88-8C40-6D8C259464C2}" dt="2023-07-30T12:53:14.157" v="221" actId="1076"/>
+          <ac:picMkLst>
+            <pc:docMk/>
+            <pc:sldMk cId="976865324" sldId="259"/>
+            <ac:picMk id="5" creationId="{C41EB62B-E568-9A19-BE16-FF0FF5057483}"/>
+          </ac:picMkLst>
+        </pc:picChg>
+        <pc:picChg chg="add del mod">
+          <ac:chgData name="Fang, Tian" userId="8459d6b1-f980-47a2-b279-a0e1e5e6e762" providerId="ADAL" clId="{3DF66E47-4A29-4B88-8C40-6D8C259464C2}" dt="2023-07-30T12:36:23.573" v="75" actId="478"/>
+          <ac:picMkLst>
+            <pc:docMk/>
+            <pc:sldMk cId="976865324" sldId="259"/>
+            <ac:picMk id="7" creationId="{19A5D91B-71D1-F378-0B3D-B5E156F5F444}"/>
+          </ac:picMkLst>
+        </pc:picChg>
+        <pc:picChg chg="add del mod">
+          <ac:chgData name="Fang, Tian" userId="8459d6b1-f980-47a2-b279-a0e1e5e6e762" providerId="ADAL" clId="{3DF66E47-4A29-4B88-8C40-6D8C259464C2}" dt="2023-07-30T13:46:42.315" v="528" actId="21"/>
+          <ac:picMkLst>
+            <pc:docMk/>
+            <pc:sldMk cId="976865324" sldId="259"/>
+            <ac:picMk id="10" creationId="{C380531B-A090-CB96-A255-085D3F677075}"/>
+          </ac:picMkLst>
+        </pc:picChg>
+        <pc:picChg chg="add del mod">
+          <ac:chgData name="Fang, Tian" userId="8459d6b1-f980-47a2-b279-a0e1e5e6e762" providerId="ADAL" clId="{3DF66E47-4A29-4B88-8C40-6D8C259464C2}" dt="2023-07-30T13:46:42.315" v="528" actId="21"/>
+          <ac:picMkLst>
+            <pc:docMk/>
+            <pc:sldMk cId="976865324" sldId="259"/>
+            <ac:picMk id="11" creationId="{71CE965E-B976-F69E-EA6E-F87C790C0D5A}"/>
+          </ac:picMkLst>
+        </pc:picChg>
+        <pc:picChg chg="add del mod">
+          <ac:chgData name="Fang, Tian" userId="8459d6b1-f980-47a2-b279-a0e1e5e6e762" providerId="ADAL" clId="{3DF66E47-4A29-4B88-8C40-6D8C259464C2}" dt="2023-07-30T13:46:42.315" v="528" actId="21"/>
+          <ac:picMkLst>
+            <pc:docMk/>
+            <pc:sldMk cId="976865324" sldId="259"/>
+            <ac:picMk id="12" creationId="{70522704-4173-200D-AFCB-FAC818699852}"/>
+          </ac:picMkLst>
+        </pc:picChg>
+        <pc:picChg chg="add mod">
+          <ac:chgData name="Fang, Tian" userId="8459d6b1-f980-47a2-b279-a0e1e5e6e762" providerId="ADAL" clId="{3DF66E47-4A29-4B88-8C40-6D8C259464C2}" dt="2023-07-30T13:53:39.504" v="752" actId="1076"/>
+          <ac:picMkLst>
+            <pc:docMk/>
+            <pc:sldMk cId="976865324" sldId="259"/>
+            <ac:picMk id="16" creationId="{A49978D2-8CAB-C274-1479-5FF90216FF21}"/>
+          </ac:picMkLst>
+        </pc:picChg>
+        <pc:picChg chg="add mod">
+          <ac:chgData name="Fang, Tian" userId="8459d6b1-f980-47a2-b279-a0e1e5e6e762" providerId="ADAL" clId="{3DF66E47-4A29-4B88-8C40-6D8C259464C2}" dt="2023-07-30T12:58:52.348" v="232" actId="1076"/>
+          <ac:picMkLst>
+            <pc:docMk/>
+            <pc:sldMk cId="976865324" sldId="259"/>
+            <ac:picMk id="1026" creationId="{8A8AD6E7-7B62-2C1A-68DA-813367090326}"/>
+          </ac:picMkLst>
+        </pc:picChg>
+        <pc:picChg chg="add mod">
+          <ac:chgData name="Fang, Tian" userId="8459d6b1-f980-47a2-b279-a0e1e5e6e762" providerId="ADAL" clId="{3DF66E47-4A29-4B88-8C40-6D8C259464C2}" dt="2023-07-30T13:53:41.854" v="753" actId="1076"/>
+          <ac:picMkLst>
+            <pc:docMk/>
+            <pc:sldMk cId="976865324" sldId="259"/>
+            <ac:picMk id="1028" creationId="{33ECCD36-C90B-56CE-F443-C7C3A3B890DB}"/>
+          </ac:picMkLst>
+        </pc:picChg>
+      </pc:sldChg>
+      <pc:sldChg chg="addSp delSp modSp mod delAnim modAnim">
+        <pc:chgData name="Fang, Tian" userId="8459d6b1-f980-47a2-b279-a0e1e5e6e762" providerId="ADAL" clId="{3DF66E47-4A29-4B88-8C40-6D8C259464C2}" dt="2023-07-30T13:50:49.263" v="740" actId="20577"/>
+        <pc:sldMkLst>
+          <pc:docMk/>
+          <pc:sldMk cId="499303494" sldId="260"/>
+        </pc:sldMkLst>
+        <pc:spChg chg="mod">
+          <ac:chgData name="Fang, Tian" userId="8459d6b1-f980-47a2-b279-a0e1e5e6e762" providerId="ADAL" clId="{3DF66E47-4A29-4B88-8C40-6D8C259464C2}" dt="2023-07-30T12:35:53.957" v="57" actId="20577"/>
+          <ac:spMkLst>
+            <pc:docMk/>
+            <pc:sldMk cId="499303494" sldId="260"/>
+            <ac:spMk id="2" creationId="{5F311235-8B49-2D2B-4CAC-E546B1610B1F}"/>
+          </ac:spMkLst>
+        </pc:spChg>
+        <pc:spChg chg="add del">
+          <ac:chgData name="Fang, Tian" userId="8459d6b1-f980-47a2-b279-a0e1e5e6e762" providerId="ADAL" clId="{3DF66E47-4A29-4B88-8C40-6D8C259464C2}" dt="2023-07-30T12:22:37.528" v="23" actId="22"/>
+          <ac:spMkLst>
+            <pc:docMk/>
+            <pc:sldMk cId="499303494" sldId="260"/>
+            <ac:spMk id="5" creationId="{7614A809-D7FD-028D-8AC1-D04F552A5E25}"/>
+          </ac:spMkLst>
+        </pc:spChg>
+        <pc:spChg chg="add mod">
+          <ac:chgData name="Fang, Tian" userId="8459d6b1-f980-47a2-b279-a0e1e5e6e762" providerId="ADAL" clId="{3DF66E47-4A29-4B88-8C40-6D8C259464C2}" dt="2023-07-30T13:50:49.263" v="740" actId="20577"/>
+          <ac:spMkLst>
+            <pc:docMk/>
+            <pc:sldMk cId="499303494" sldId="260"/>
+            <ac:spMk id="7" creationId="{FD1A5FC7-40AE-8F8A-7884-780D22E569E3}"/>
+          </ac:spMkLst>
+        </pc:spChg>
+        <pc:picChg chg="add del mod">
+          <ac:chgData name="Fang, Tian" userId="8459d6b1-f980-47a2-b279-a0e1e5e6e762" providerId="ADAL" clId="{3DF66E47-4A29-4B88-8C40-6D8C259464C2}" dt="2023-07-30T13:45:58.638" v="482" actId="478"/>
+          <ac:picMkLst>
+            <pc:docMk/>
+            <pc:sldMk cId="499303494" sldId="260"/>
+            <ac:picMk id="6" creationId="{F4546C5E-139C-0B88-EC61-12AC1C9485D4}"/>
+          </ac:picMkLst>
+        </pc:picChg>
+        <pc:picChg chg="add del mod">
+          <ac:chgData name="Fang, Tian" userId="8459d6b1-f980-47a2-b279-a0e1e5e6e762" providerId="ADAL" clId="{3DF66E47-4A29-4B88-8C40-6D8C259464C2}" dt="2023-07-30T13:50:25.374" v="686" actId="478"/>
+          <ac:picMkLst>
+            <pc:docMk/>
+            <pc:sldMk cId="499303494" sldId="260"/>
+            <ac:picMk id="9" creationId="{E709CFF0-1F06-4D13-EFA3-8F3FAED77A58}"/>
+          </ac:picMkLst>
+        </pc:picChg>
+        <pc:picChg chg="add del mod">
+          <ac:chgData name="Fang, Tian" userId="8459d6b1-f980-47a2-b279-a0e1e5e6e762" providerId="ADAL" clId="{3DF66E47-4A29-4B88-8C40-6D8C259464C2}" dt="2023-07-30T13:50:25.374" v="686" actId="478"/>
+          <ac:picMkLst>
+            <pc:docMk/>
+            <pc:sldMk cId="499303494" sldId="260"/>
+            <ac:picMk id="10" creationId="{208B6465-6351-0D9E-D6DD-1CDED48403D1}"/>
+          </ac:picMkLst>
+        </pc:picChg>
+        <pc:picChg chg="add mod">
+          <ac:chgData name="Fang, Tian" userId="8459d6b1-f980-47a2-b279-a0e1e5e6e762" providerId="ADAL" clId="{3DF66E47-4A29-4B88-8C40-6D8C259464C2}" dt="2023-07-30T13:50:25.980" v="687"/>
+          <ac:picMkLst>
+            <pc:docMk/>
+            <pc:sldMk cId="499303494" sldId="260"/>
+            <ac:picMk id="11" creationId="{99EB9588-3423-D5B4-822F-855AC65ACBE3}"/>
+          </ac:picMkLst>
+        </pc:picChg>
+        <pc:picChg chg="add mod">
+          <ac:chgData name="Fang, Tian" userId="8459d6b1-f980-47a2-b279-a0e1e5e6e762" providerId="ADAL" clId="{3DF66E47-4A29-4B88-8C40-6D8C259464C2}" dt="2023-07-30T13:50:25.980" v="687"/>
+          <ac:picMkLst>
+            <pc:docMk/>
+            <pc:sldMk cId="499303494" sldId="260"/>
+            <ac:picMk id="12" creationId="{9411E35D-83A3-571D-C4CD-5C6B06A9044B}"/>
+          </ac:picMkLst>
+        </pc:picChg>
+      </pc:sldChg>
+      <pc:sldChg chg="addSp delSp modSp add mod modAnim">
+        <pc:chgData name="Fang, Tian" userId="8459d6b1-f980-47a2-b279-a0e1e5e6e762" providerId="ADAL" clId="{3DF66E47-4A29-4B88-8C40-6D8C259464C2}" dt="2023-07-30T13:50:15.495" v="685" actId="14826"/>
+        <pc:sldMkLst>
+          <pc:docMk/>
+          <pc:sldMk cId="2253406692" sldId="261"/>
+        </pc:sldMkLst>
+        <pc:spChg chg="mod">
+          <ac:chgData name="Fang, Tian" userId="8459d6b1-f980-47a2-b279-a0e1e5e6e762" providerId="ADAL" clId="{3DF66E47-4A29-4B88-8C40-6D8C259464C2}" dt="2023-07-30T12:36:20.001" v="74" actId="20577"/>
+          <ac:spMkLst>
+            <pc:docMk/>
+            <pc:sldMk cId="2253406692" sldId="261"/>
+            <ac:spMk id="2" creationId="{5F311235-8B49-2D2B-4CAC-E546B1610B1F}"/>
+          </ac:spMkLst>
+        </pc:spChg>
+        <pc:spChg chg="add mod">
+          <ac:chgData name="Fang, Tian" userId="8459d6b1-f980-47a2-b279-a0e1e5e6e762" providerId="ADAL" clId="{3DF66E47-4A29-4B88-8C40-6D8C259464C2}" dt="2023-07-30T13:48:36.915" v="669" actId="14100"/>
+          <ac:spMkLst>
+            <pc:docMk/>
+            <pc:sldMk cId="2253406692" sldId="261"/>
+            <ac:spMk id="3" creationId="{D618F002-4BA5-BA34-7898-0AC3EA5E7D18}"/>
+          </ac:spMkLst>
+        </pc:spChg>
+        <pc:picChg chg="add del mod">
+          <ac:chgData name="Fang, Tian" userId="8459d6b1-f980-47a2-b279-a0e1e5e6e762" providerId="ADAL" clId="{3DF66E47-4A29-4B88-8C40-6D8C259464C2}" dt="2023-07-30T13:45:00.922" v="446" actId="478"/>
+          <ac:picMkLst>
+            <pc:docMk/>
+            <pc:sldMk cId="2253406692" sldId="261"/>
+            <ac:picMk id="5" creationId="{8F427CC0-D228-0CFE-1537-9F76EE694517}"/>
+          </ac:picMkLst>
+        </pc:picChg>
+        <pc:picChg chg="add mod">
+          <ac:chgData name="Fang, Tian" userId="8459d6b1-f980-47a2-b279-a0e1e5e6e762" providerId="ADAL" clId="{3DF66E47-4A29-4B88-8C40-6D8C259464C2}" dt="2023-07-30T13:47:49.959" v="577" actId="1076"/>
+          <ac:picMkLst>
+            <pc:docMk/>
+            <pc:sldMk cId="2253406692" sldId="261"/>
+            <ac:picMk id="6" creationId="{60FD8C29-94DD-C1B0-FD64-CFA04519CBA8}"/>
+          </ac:picMkLst>
+        </pc:picChg>
+        <pc:picChg chg="add mod">
+          <ac:chgData name="Fang, Tian" userId="8459d6b1-f980-47a2-b279-a0e1e5e6e762" providerId="ADAL" clId="{3DF66E47-4A29-4B88-8C40-6D8C259464C2}" dt="2023-07-30T13:50:15.495" v="685" actId="14826"/>
+          <ac:picMkLst>
+            <pc:docMk/>
+            <pc:sldMk cId="2253406692" sldId="261"/>
+            <ac:picMk id="7" creationId="{DABE3250-5799-D314-A887-AD5DFC470AD7}"/>
+          </ac:picMkLst>
+        </pc:picChg>
+      </pc:sldChg>
+    </pc:docChg>
+  </pc:docChgLst>
   <pc:docChgLst>
     <pc:chgData name="Fang, Tian" userId="8459d6b1-f980-47a2-b279-a0e1e5e6e762" providerId="ADAL" clId="{2089A280-0E8A-464B-8966-A9F71542C34D}"/>
     <pc:docChg chg="custSel addSld delSld modSld modMainMaster">
@@ -2735,7 +2990,7 @@
           <a:p>
             <a:r>
               <a:rPr lang="en-GB" dirty="0"/>
-              <a:t>Title</a:t>
+              <a:t>Exo Robotics</a:t>
             </a:r>
           </a:p>
         </p:txBody>
@@ -2758,18 +3013,41 @@
         </p:nvSpPr>
         <p:spPr/>
         <p:txBody>
-          <a:bodyPr/>
+          <a:bodyPr>
+            <a:normAutofit/>
+          </a:bodyPr>
           <a:lstStyle/>
           <a:p>
             <a:r>
-              <a:rPr lang="en-GB" dirty="0"/>
-              <a:t>name</a:t>
-            </a:r>
-          </a:p>
-          <a:p>
-            <a:r>
-              <a:rPr lang="en-GB" dirty="0"/>
-              <a:t>date</a:t>
+              <a:rPr lang="en-GB" sz="1600" dirty="0"/>
+              <a:t>Tian</a:t>
+            </a:r>
+          </a:p>
+          <a:p>
+            <a:r>
+              <a:rPr lang="en-GB" sz="1600" dirty="0"/>
+              <a:t>Ben</a:t>
+            </a:r>
+          </a:p>
+          <a:p>
+            <a:r>
+              <a:rPr lang="en-GB" sz="1600" dirty="0" err="1"/>
+              <a:t>Intishar</a:t>
+            </a:r>
+            <a:endParaRPr lang="en-GB" sz="1600" dirty="0"/>
+          </a:p>
+          <a:p>
+            <a:r>
+              <a:rPr lang="en-GB" sz="1800" dirty="0"/>
+              <a:t>30</a:t>
+            </a:r>
+            <a:r>
+              <a:rPr lang="en-GB" sz="1800" baseline="30000" dirty="0"/>
+              <a:t>th</a:t>
+            </a:r>
+            <a:r>
+              <a:rPr lang="en-GB" sz="1800" dirty="0"/>
+              <a:t> July 2023</a:t>
             </a:r>
           </a:p>
         </p:txBody>
@@ -2857,7 +3135,7 @@
           <a:p>
             <a:r>
               <a:rPr lang="en-GB" dirty="0"/>
-              <a:t>Title</a:t>
+              <a:t>Use Case</a:t>
             </a:r>
           </a:p>
         </p:txBody>
@@ -2891,6 +3169,347 @@
           </a:p>
         </p:txBody>
       </p:sp>
+      <p:pic>
+        <p:nvPicPr>
+          <p:cNvPr id="5" name="Picture 4">
+            <a:extLst>
+              <a:ext uri="{FF2B5EF4-FFF2-40B4-BE49-F238E27FC236}">
+                <a16:creationId xmlns:a16="http://schemas.microsoft.com/office/drawing/2014/main" id="{C41EB62B-E568-9A19-BE16-FF0FF5057483}"/>
+              </a:ext>
+            </a:extLst>
+          </p:cNvPr>
+          <p:cNvPicPr>
+            <a:picLocks noChangeAspect="1"/>
+          </p:cNvPicPr>
+          <p:nvPr/>
+        </p:nvPicPr>
+        <p:blipFill>
+          <a:blip r:embed="rId2"/>
+          <a:stretch>
+            <a:fillRect/>
+          </a:stretch>
+        </p:blipFill>
+        <p:spPr>
+          <a:xfrm>
+            <a:off x="4934200" y="597865"/>
+            <a:ext cx="3215706" cy="2353450"/>
+          </a:xfrm>
+          <a:prstGeom prst="rect">
+            <a:avLst/>
+          </a:prstGeom>
+        </p:spPr>
+      </p:pic>
+      <p:sp>
+        <p:nvSpPr>
+          <p:cNvPr id="8" name="TextBox 7">
+            <a:extLst>
+              <a:ext uri="{FF2B5EF4-FFF2-40B4-BE49-F238E27FC236}">
+                <a16:creationId xmlns:a16="http://schemas.microsoft.com/office/drawing/2014/main" id="{8A178BAF-6B30-BBAF-A0E2-98C019265C2B}"/>
+              </a:ext>
+            </a:extLst>
+          </p:cNvPr>
+          <p:cNvSpPr txBox="1"/>
+          <p:nvPr/>
+        </p:nvSpPr>
+        <p:spPr>
+          <a:xfrm>
+            <a:off x="1177871" y="1420678"/>
+            <a:ext cx="4618495" cy="1200329"/>
+          </a:xfrm>
+          <a:prstGeom prst="rect">
+            <a:avLst/>
+          </a:prstGeom>
+          <a:noFill/>
+        </p:spPr>
+        <p:txBody>
+          <a:bodyPr wrap="square" rtlCol="0">
+            <a:spAutoFit/>
+          </a:bodyPr>
+          <a:lstStyle/>
+          <a:p>
+            <a:r>
+              <a:rPr lang="en-GB" dirty="0"/>
+              <a:t>Lunar Surface:</a:t>
+            </a:r>
+          </a:p>
+          <a:p>
+            <a:pPr marL="285750" indent="-285750">
+              <a:buFontTx/>
+              <a:buChar char="-"/>
+            </a:pPr>
+            <a:r>
+              <a:rPr lang="en-GB" dirty="0"/>
+              <a:t>Radiation</a:t>
+            </a:r>
+          </a:p>
+          <a:p>
+            <a:pPr marL="285750" indent="-285750">
+              <a:buFontTx/>
+              <a:buChar char="-"/>
+            </a:pPr>
+            <a:r>
+              <a:rPr lang="en-GB" dirty="0"/>
+              <a:t>Micro meteorites</a:t>
+            </a:r>
+          </a:p>
+          <a:p>
+            <a:pPr marL="285750" indent="-285750">
+              <a:buFontTx/>
+              <a:buChar char="-"/>
+            </a:pPr>
+            <a:r>
+              <a:rPr lang="en-GB" dirty="0"/>
+              <a:t>Hot (127</a:t>
+            </a:r>
+            <a:r>
+              <a:rPr lang="en-GB" baseline="30000" dirty="0"/>
+              <a:t>o</a:t>
+            </a:r>
+            <a:r>
+              <a:rPr lang="en-GB" dirty="0"/>
+              <a:t>C) and cold (-173</a:t>
+            </a:r>
+            <a:r>
+              <a:rPr lang="en-GB" baseline="30000" dirty="0"/>
+              <a:t>o</a:t>
+            </a:r>
+            <a:r>
+              <a:rPr lang="en-GB" dirty="0"/>
+              <a:t>C)</a:t>
+            </a:r>
+          </a:p>
+        </p:txBody>
+      </p:sp>
+      <p:sp>
+        <p:nvSpPr>
+          <p:cNvPr id="9" name="TextBox 8">
+            <a:extLst>
+              <a:ext uri="{FF2B5EF4-FFF2-40B4-BE49-F238E27FC236}">
+                <a16:creationId xmlns:a16="http://schemas.microsoft.com/office/drawing/2014/main" id="{8BBB80E2-B26B-E9AD-2A9C-D7672FBF156C}"/>
+              </a:ext>
+            </a:extLst>
+          </p:cNvPr>
+          <p:cNvSpPr txBox="1"/>
+          <p:nvPr/>
+        </p:nvSpPr>
+        <p:spPr>
+          <a:xfrm>
+            <a:off x="1155440" y="2885267"/>
+            <a:ext cx="4618495" cy="923330"/>
+          </a:xfrm>
+          <a:prstGeom prst="rect">
+            <a:avLst/>
+          </a:prstGeom>
+          <a:noFill/>
+        </p:spPr>
+        <p:txBody>
+          <a:bodyPr wrap="square" rtlCol="0">
+            <a:spAutoFit/>
+          </a:bodyPr>
+          <a:lstStyle/>
+          <a:p>
+            <a:r>
+              <a:rPr lang="en-GB" dirty="0"/>
+              <a:t>Lava Tube Interior:</a:t>
+            </a:r>
+          </a:p>
+          <a:p>
+            <a:pPr marL="285750" indent="-285750">
+              <a:buFontTx/>
+              <a:buChar char="-"/>
+            </a:pPr>
+            <a:r>
+              <a:rPr lang="en-GB" dirty="0"/>
+              <a:t>1-10m of shielding</a:t>
+            </a:r>
+          </a:p>
+          <a:p>
+            <a:pPr marL="285750" indent="-285750">
+              <a:buFontTx/>
+              <a:buChar char="-"/>
+            </a:pPr>
+            <a:r>
+              <a:rPr lang="en-GB" dirty="0"/>
+              <a:t>Relatively constant 17</a:t>
+            </a:r>
+            <a:r>
+              <a:rPr lang="en-GB" baseline="30000" dirty="0"/>
+              <a:t>o</a:t>
+            </a:r>
+            <a:r>
+              <a:rPr lang="en-GB" dirty="0"/>
+              <a:t>C</a:t>
+            </a:r>
+          </a:p>
+        </p:txBody>
+      </p:sp>
+      <p:pic>
+        <p:nvPicPr>
+          <p:cNvPr id="1026" name="Picture 2">
+            <a:extLst>
+              <a:ext uri="{FF2B5EF4-FFF2-40B4-BE49-F238E27FC236}">
+                <a16:creationId xmlns:a16="http://schemas.microsoft.com/office/drawing/2014/main" id="{8A8AD6E7-7B62-2C1A-68DA-813367090326}"/>
+              </a:ext>
+            </a:extLst>
+          </p:cNvPr>
+          <p:cNvPicPr>
+            <a:picLocks noChangeAspect="1" noChangeArrowheads="1"/>
+          </p:cNvPicPr>
+          <p:nvPr/>
+        </p:nvPicPr>
+        <p:blipFill rotWithShape="1">
+          <a:blip r:embed="rId3">
+            <a:extLst>
+              <a:ext uri="{28A0092B-C50C-407E-A947-70E740481C1C}">
+                <a14:useLocalDpi xmlns:a14="http://schemas.microsoft.com/office/drawing/2010/main" val="0"/>
+              </a:ext>
+            </a:extLst>
+          </a:blip>
+          <a:srcRect l="16652" t="19508" r="14953" b="14936"/>
+          <a:stretch/>
+        </p:blipFill>
+        <p:spPr bwMode="auto">
+          <a:xfrm>
+            <a:off x="8956570" y="774359"/>
+            <a:ext cx="2213116" cy="2121240"/>
+          </a:xfrm>
+          <a:prstGeom prst="rect">
+            <a:avLst/>
+          </a:prstGeom>
+          <a:noFill/>
+          <a:extLst>
+            <a:ext uri="{909E8E84-426E-40DD-AFC4-6F175D3DCCD1}">
+              <a14:hiddenFill xmlns:a14="http://schemas.microsoft.com/office/drawing/2010/main">
+                <a:solidFill>
+                  <a:srgbClr val="FFFFFF"/>
+                </a:solidFill>
+              </a14:hiddenFill>
+            </a:ext>
+          </a:extLst>
+        </p:spPr>
+      </p:pic>
+      <p:pic>
+        <p:nvPicPr>
+          <p:cNvPr id="1028" name="Picture 4" descr="Giant tunnels in moon could give us a home">
+            <a:extLst>
+              <a:ext uri="{FF2B5EF4-FFF2-40B4-BE49-F238E27FC236}">
+                <a16:creationId xmlns:a16="http://schemas.microsoft.com/office/drawing/2014/main" id="{33ECCD36-C90B-56CE-F443-C7C3A3B890DB}"/>
+              </a:ext>
+            </a:extLst>
+          </p:cNvPr>
+          <p:cNvPicPr>
+            <a:picLocks noChangeAspect="1" noChangeArrowheads="1"/>
+          </p:cNvPicPr>
+          <p:nvPr/>
+        </p:nvPicPr>
+        <p:blipFill>
+          <a:blip r:embed="rId4">
+            <a:extLst>
+              <a:ext uri="{28A0092B-C50C-407E-A947-70E740481C1C}">
+                <a14:useLocalDpi xmlns:a14="http://schemas.microsoft.com/office/drawing/2010/main" val="0"/>
+              </a:ext>
+            </a:extLst>
+          </a:blip>
+          <a:srcRect/>
+          <a:stretch>
+            <a:fillRect/>
+          </a:stretch>
+        </p:blipFill>
+        <p:spPr bwMode="auto">
+          <a:xfrm>
+            <a:off x="6418065" y="3310235"/>
+            <a:ext cx="4831596" cy="3221064"/>
+          </a:xfrm>
+          <a:prstGeom prst="rect">
+            <a:avLst/>
+          </a:prstGeom>
+          <a:noFill/>
+          <a:extLst>
+            <a:ext uri="{909E8E84-426E-40DD-AFC4-6F175D3DCCD1}">
+              <a14:hiddenFill xmlns:a14="http://schemas.microsoft.com/office/drawing/2010/main">
+                <a:solidFill>
+                  <a:srgbClr val="FFFFFF"/>
+                </a:solidFill>
+              </a14:hiddenFill>
+            </a:ext>
+          </a:extLst>
+        </p:spPr>
+      </p:pic>
+      <p:sp>
+        <p:nvSpPr>
+          <p:cNvPr id="14" name="AutoShape 6" descr="SAN ANTONIO INNOVATORS ADVANCE EXPLORATION OF THE MOON AHEAD OF HUMAN  SETTLEMENT WITH LUNAR CAVE RESEARCH | Port San Antonio">
+            <a:extLst>
+              <a:ext uri="{FF2B5EF4-FFF2-40B4-BE49-F238E27FC236}">
+                <a16:creationId xmlns:a16="http://schemas.microsoft.com/office/drawing/2014/main" id="{E4E9F6A1-88F1-4B43-B2FD-DB954700CE8E}"/>
+              </a:ext>
+            </a:extLst>
+          </p:cNvPr>
+          <p:cNvSpPr>
+            <a:spLocks noChangeAspect="1" noChangeArrowheads="1"/>
+          </p:cNvSpPr>
+          <p:nvPr/>
+        </p:nvSpPr>
+        <p:spPr bwMode="auto">
+          <a:xfrm>
+            <a:off x="5943600" y="3276600"/>
+            <a:ext cx="304800" cy="304800"/>
+          </a:xfrm>
+          <a:prstGeom prst="rect">
+            <a:avLst/>
+          </a:prstGeom>
+          <a:noFill/>
+          <a:extLst>
+            <a:ext uri="{909E8E84-426E-40DD-AFC4-6F175D3DCCD1}">
+              <a14:hiddenFill xmlns:a14="http://schemas.microsoft.com/office/drawing/2010/main">
+                <a:solidFill>
+                  <a:srgbClr val="FFFFFF"/>
+                </a:solidFill>
+              </a14:hiddenFill>
+            </a:ext>
+          </a:extLst>
+        </p:spPr>
+        <p:txBody>
+          <a:bodyPr vert="horz" wrap="square" lIns="91440" tIns="45720" rIns="91440" bIns="45720" numCol="1" anchor="t" anchorCtr="0" compatLnSpc="1">
+            <a:prstTxWarp prst="textNoShape">
+              <a:avLst/>
+            </a:prstTxWarp>
+          </a:bodyPr>
+          <a:lstStyle/>
+          <a:p>
+            <a:endParaRPr lang="en-GB"/>
+          </a:p>
+        </p:txBody>
+      </p:sp>
+      <p:pic>
+        <p:nvPicPr>
+          <p:cNvPr id="16" name="Picture 15">
+            <a:extLst>
+              <a:ext uri="{FF2B5EF4-FFF2-40B4-BE49-F238E27FC236}">
+                <a16:creationId xmlns:a16="http://schemas.microsoft.com/office/drawing/2014/main" id="{A49978D2-8CAB-C274-1479-5FF90216FF21}"/>
+              </a:ext>
+            </a:extLst>
+          </p:cNvPr>
+          <p:cNvPicPr>
+            <a:picLocks noChangeAspect="1"/>
+          </p:cNvPicPr>
+          <p:nvPr/>
+        </p:nvPicPr>
+        <p:blipFill>
+          <a:blip r:embed="rId5"/>
+          <a:stretch>
+            <a:fillRect/>
+          </a:stretch>
+        </p:blipFill>
+        <p:spPr>
+          <a:xfrm>
+            <a:off x="1313240" y="3947772"/>
+            <a:ext cx="4782760" cy="2583527"/>
+          </a:xfrm>
+          <a:prstGeom prst="rect">
+            <a:avLst/>
+          </a:prstGeom>
+        </p:spPr>
+      </p:pic>
     </p:spTree>
     <p:extLst>
       <p:ext uri="{BB962C8B-B14F-4D97-AF65-F5344CB8AC3E}">
@@ -2901,6 +3520,322 @@
   <p:clrMapOvr>
     <a:masterClrMapping/>
   </p:clrMapOvr>
+  <p:timing>
+    <p:tnLst>
+      <p:par>
+        <p:cTn id="1" dur="indefinite" restart="never" nodeType="tmRoot">
+          <p:childTnLst>
+            <p:seq concurrent="1" nextAc="seek">
+              <p:cTn id="2" dur="indefinite" nodeType="mainSeq">
+                <p:childTnLst>
+                  <p:par>
+                    <p:cTn id="3" fill="hold">
+                      <p:stCondLst>
+                        <p:cond delay="indefinite"/>
+                      </p:stCondLst>
+                      <p:childTnLst>
+                        <p:par>
+                          <p:cTn id="4" fill="hold">
+                            <p:stCondLst>
+                              <p:cond delay="0"/>
+                            </p:stCondLst>
+                            <p:childTnLst>
+                              <p:par>
+                                <p:cTn id="5" presetID="10" presetClass="entr" presetSubtype="0" fill="hold" grpId="0" nodeType="clickEffect">
+                                  <p:stCondLst>
+                                    <p:cond delay="0"/>
+                                  </p:stCondLst>
+                                  <p:childTnLst>
+                                    <p:set>
+                                      <p:cBhvr>
+                                        <p:cTn id="6" dur="1" fill="hold">
+                                          <p:stCondLst>
+                                            <p:cond delay="0"/>
+                                          </p:stCondLst>
+                                        </p:cTn>
+                                        <p:tgtEl>
+                                          <p:spTgt spid="8"/>
+                                        </p:tgtEl>
+                                        <p:attrNameLst>
+                                          <p:attrName>style.visibility</p:attrName>
+                                        </p:attrNameLst>
+                                      </p:cBhvr>
+                                      <p:to>
+                                        <p:strVal val="visible"/>
+                                      </p:to>
+                                    </p:set>
+                                    <p:animEffect transition="in" filter="fade">
+                                      <p:cBhvr>
+                                        <p:cTn id="7" dur="500"/>
+                                        <p:tgtEl>
+                                          <p:spTgt spid="8"/>
+                                        </p:tgtEl>
+                                      </p:cBhvr>
+                                    </p:animEffect>
+                                  </p:childTnLst>
+                                </p:cTn>
+                              </p:par>
+                            </p:childTnLst>
+                          </p:cTn>
+                        </p:par>
+                      </p:childTnLst>
+                    </p:cTn>
+                  </p:par>
+                  <p:par>
+                    <p:cTn id="8" fill="hold">
+                      <p:stCondLst>
+                        <p:cond delay="indefinite"/>
+                      </p:stCondLst>
+                      <p:childTnLst>
+                        <p:par>
+                          <p:cTn id="9" fill="hold">
+                            <p:stCondLst>
+                              <p:cond delay="0"/>
+                            </p:stCondLst>
+                            <p:childTnLst>
+                              <p:par>
+                                <p:cTn id="10" presetID="10" presetClass="entr" presetSubtype="0" fill="hold" nodeType="clickEffect">
+                                  <p:stCondLst>
+                                    <p:cond delay="0"/>
+                                  </p:stCondLst>
+                                  <p:childTnLst>
+                                    <p:set>
+                                      <p:cBhvr>
+                                        <p:cTn id="11" dur="1" fill="hold">
+                                          <p:stCondLst>
+                                            <p:cond delay="0"/>
+                                          </p:stCondLst>
+                                        </p:cTn>
+                                        <p:tgtEl>
+                                          <p:spTgt spid="5"/>
+                                        </p:tgtEl>
+                                        <p:attrNameLst>
+                                          <p:attrName>style.visibility</p:attrName>
+                                        </p:attrNameLst>
+                                      </p:cBhvr>
+                                      <p:to>
+                                        <p:strVal val="visible"/>
+                                      </p:to>
+                                    </p:set>
+                                    <p:animEffect transition="in" filter="fade">
+                                      <p:cBhvr>
+                                        <p:cTn id="12" dur="500"/>
+                                        <p:tgtEl>
+                                          <p:spTgt spid="5"/>
+                                        </p:tgtEl>
+                                      </p:cBhvr>
+                                    </p:animEffect>
+                                  </p:childTnLst>
+                                </p:cTn>
+                              </p:par>
+                              <p:par>
+                                <p:cTn id="13" presetID="10" presetClass="entr" presetSubtype="0" fill="hold" nodeType="withEffect">
+                                  <p:stCondLst>
+                                    <p:cond delay="0"/>
+                                  </p:stCondLst>
+                                  <p:childTnLst>
+                                    <p:set>
+                                      <p:cBhvr>
+                                        <p:cTn id="14" dur="1" fill="hold">
+                                          <p:stCondLst>
+                                            <p:cond delay="0"/>
+                                          </p:stCondLst>
+                                        </p:cTn>
+                                        <p:tgtEl>
+                                          <p:spTgt spid="1026"/>
+                                        </p:tgtEl>
+                                        <p:attrNameLst>
+                                          <p:attrName>style.visibility</p:attrName>
+                                        </p:attrNameLst>
+                                      </p:cBhvr>
+                                      <p:to>
+                                        <p:strVal val="visible"/>
+                                      </p:to>
+                                    </p:set>
+                                    <p:animEffect transition="in" filter="fade">
+                                      <p:cBhvr>
+                                        <p:cTn id="15" dur="500"/>
+                                        <p:tgtEl>
+                                          <p:spTgt spid="1026"/>
+                                        </p:tgtEl>
+                                      </p:cBhvr>
+                                    </p:animEffect>
+                                  </p:childTnLst>
+                                </p:cTn>
+                              </p:par>
+                              <p:par>
+                                <p:cTn id="16" presetID="10" presetClass="entr" presetSubtype="0" fill="hold" nodeType="withEffect">
+                                  <p:stCondLst>
+                                    <p:cond delay="0"/>
+                                  </p:stCondLst>
+                                  <p:childTnLst>
+                                    <p:set>
+                                      <p:cBhvr>
+                                        <p:cTn id="17" dur="1" fill="hold">
+                                          <p:stCondLst>
+                                            <p:cond delay="0"/>
+                                          </p:stCondLst>
+                                        </p:cTn>
+                                        <p:tgtEl>
+                                          <p:spTgt spid="1028"/>
+                                        </p:tgtEl>
+                                        <p:attrNameLst>
+                                          <p:attrName>style.visibility</p:attrName>
+                                        </p:attrNameLst>
+                                      </p:cBhvr>
+                                      <p:to>
+                                        <p:strVal val="visible"/>
+                                      </p:to>
+                                    </p:set>
+                                    <p:animEffect transition="in" filter="fade">
+                                      <p:cBhvr>
+                                        <p:cTn id="18" dur="500"/>
+                                        <p:tgtEl>
+                                          <p:spTgt spid="1028"/>
+                                        </p:tgtEl>
+                                      </p:cBhvr>
+                                    </p:animEffect>
+                                  </p:childTnLst>
+                                </p:cTn>
+                              </p:par>
+                            </p:childTnLst>
+                          </p:cTn>
+                        </p:par>
+                      </p:childTnLst>
+                    </p:cTn>
+                  </p:par>
+                  <p:par>
+                    <p:cTn id="19" fill="hold">
+                      <p:stCondLst>
+                        <p:cond delay="indefinite"/>
+                      </p:stCondLst>
+                      <p:childTnLst>
+                        <p:par>
+                          <p:cTn id="20" fill="hold">
+                            <p:stCondLst>
+                              <p:cond delay="0"/>
+                            </p:stCondLst>
+                            <p:childTnLst>
+                              <p:par>
+                                <p:cTn id="21" presetID="10" presetClass="entr" presetSubtype="0" fill="hold" grpId="0" nodeType="clickEffect">
+                                  <p:stCondLst>
+                                    <p:cond delay="0"/>
+                                  </p:stCondLst>
+                                  <p:childTnLst>
+                                    <p:set>
+                                      <p:cBhvr>
+                                        <p:cTn id="22" dur="1" fill="hold">
+                                          <p:stCondLst>
+                                            <p:cond delay="0"/>
+                                          </p:stCondLst>
+                                        </p:cTn>
+                                        <p:tgtEl>
+                                          <p:spTgt spid="9"/>
+                                        </p:tgtEl>
+                                        <p:attrNameLst>
+                                          <p:attrName>style.visibility</p:attrName>
+                                        </p:attrNameLst>
+                                      </p:cBhvr>
+                                      <p:to>
+                                        <p:strVal val="visible"/>
+                                      </p:to>
+                                    </p:set>
+                                    <p:animEffect transition="in" filter="fade">
+                                      <p:cBhvr>
+                                        <p:cTn id="23" dur="500"/>
+                                        <p:tgtEl>
+                                          <p:spTgt spid="9"/>
+                                        </p:tgtEl>
+                                      </p:cBhvr>
+                                    </p:animEffect>
+                                  </p:childTnLst>
+                                </p:cTn>
+                              </p:par>
+                            </p:childTnLst>
+                          </p:cTn>
+                        </p:par>
+                      </p:childTnLst>
+                    </p:cTn>
+                  </p:par>
+                  <p:par>
+                    <p:cTn id="24" fill="hold">
+                      <p:stCondLst>
+                        <p:cond delay="indefinite"/>
+                      </p:stCondLst>
+                      <p:childTnLst>
+                        <p:par>
+                          <p:cTn id="25" fill="hold">
+                            <p:stCondLst>
+                              <p:cond delay="0"/>
+                            </p:stCondLst>
+                            <p:childTnLst>
+                              <p:par>
+                                <p:cTn id="26" presetID="10" presetClass="entr" presetSubtype="0" fill="hold" nodeType="clickEffect">
+                                  <p:stCondLst>
+                                    <p:cond delay="0"/>
+                                  </p:stCondLst>
+                                  <p:childTnLst>
+                                    <p:set>
+                                      <p:cBhvr>
+                                        <p:cTn id="27" dur="1" fill="hold">
+                                          <p:stCondLst>
+                                            <p:cond delay="0"/>
+                                          </p:stCondLst>
+                                        </p:cTn>
+                                        <p:tgtEl>
+                                          <p:spTgt spid="16"/>
+                                        </p:tgtEl>
+                                        <p:attrNameLst>
+                                          <p:attrName>style.visibility</p:attrName>
+                                        </p:attrNameLst>
+                                      </p:cBhvr>
+                                      <p:to>
+                                        <p:strVal val="visible"/>
+                                      </p:to>
+                                    </p:set>
+                                    <p:animEffect transition="in" filter="fade">
+                                      <p:cBhvr>
+                                        <p:cTn id="28" dur="500"/>
+                                        <p:tgtEl>
+                                          <p:spTgt spid="16"/>
+                                        </p:tgtEl>
+                                      </p:cBhvr>
+                                    </p:animEffect>
+                                  </p:childTnLst>
+                                </p:cTn>
+                              </p:par>
+                            </p:childTnLst>
+                          </p:cTn>
+                        </p:par>
+                      </p:childTnLst>
+                    </p:cTn>
+                  </p:par>
+                </p:childTnLst>
+              </p:cTn>
+              <p:prevCondLst>
+                <p:cond evt="onPrev" delay="0">
+                  <p:tgtEl>
+                    <p:sldTgt/>
+                  </p:tgtEl>
+                </p:cond>
+              </p:prevCondLst>
+              <p:nextCondLst>
+                <p:cond evt="onNext" delay="0">
+                  <p:tgtEl>
+                    <p:sldTgt/>
+                  </p:tgtEl>
+                </p:cond>
+              </p:nextCondLst>
+            </p:seq>
+          </p:childTnLst>
+        </p:cTn>
+      </p:par>
+    </p:tnLst>
+    <p:bldLst>
+      <p:bldP spid="8" grpId="0"/>
+      <p:bldP spid="9" grpId="0"/>
+    </p:bldLst>
+  </p:timing>
 </p:sld>
 </file>
 
@@ -2944,7 +3879,7 @@
           <a:p>
             <a:r>
               <a:rPr lang="en-GB" dirty="0"/>
-              <a:t>Title</a:t>
+              <a:t>Novel Movement System</a:t>
             </a:r>
           </a:p>
         </p:txBody>
@@ -2978,6 +3913,147 @@
           </a:p>
         </p:txBody>
       </p:sp>
+      <p:sp>
+        <p:nvSpPr>
+          <p:cNvPr id="7" name="TextBox 6">
+            <a:extLst>
+              <a:ext uri="{FF2B5EF4-FFF2-40B4-BE49-F238E27FC236}">
+                <a16:creationId xmlns:a16="http://schemas.microsoft.com/office/drawing/2014/main" id="{FD1A5FC7-40AE-8F8A-7884-780D22E569E3}"/>
+              </a:ext>
+            </a:extLst>
+          </p:cNvPr>
+          <p:cNvSpPr txBox="1"/>
+          <p:nvPr/>
+        </p:nvSpPr>
+        <p:spPr>
+          <a:xfrm>
+            <a:off x="1183037" y="1446508"/>
+            <a:ext cx="4618495" cy="1477328"/>
+          </a:xfrm>
+          <a:prstGeom prst="rect">
+            <a:avLst/>
+          </a:prstGeom>
+          <a:noFill/>
+        </p:spPr>
+        <p:txBody>
+          <a:bodyPr wrap="square" rtlCol="0">
+            <a:spAutoFit/>
+          </a:bodyPr>
+          <a:lstStyle/>
+          <a:p>
+            <a:pPr marL="285750" indent="-285750">
+              <a:buFontTx/>
+              <a:buChar char="-"/>
+            </a:pPr>
+            <a:r>
+              <a:rPr lang="en-GB" dirty="0"/>
+              <a:t>Can roll over obstacles</a:t>
+            </a:r>
+          </a:p>
+          <a:p>
+            <a:pPr marL="285750" indent="-285750">
+              <a:buFontTx/>
+              <a:buChar char="-"/>
+            </a:pPr>
+            <a:r>
+              <a:rPr lang="en-GB" dirty="0"/>
+              <a:t>Redundant appendages in event of damage</a:t>
+            </a:r>
+          </a:p>
+          <a:p>
+            <a:pPr marL="285750" indent="-285750">
+              <a:buFontTx/>
+              <a:buChar char="-"/>
+            </a:pPr>
+            <a:r>
+              <a:rPr lang="en-GB" dirty="0"/>
+              <a:t>No consumables</a:t>
+            </a:r>
+          </a:p>
+          <a:p>
+            <a:pPr marL="285750" indent="-285750">
+              <a:buFontTx/>
+              <a:buChar char="-"/>
+            </a:pPr>
+            <a:r>
+              <a:rPr lang="en-GB" dirty="0"/>
+              <a:t>Can jump upwards using a gyro/flywheel </a:t>
+            </a:r>
+          </a:p>
+          <a:p>
+            <a:pPr marL="285750" indent="-285750">
+              <a:buFontTx/>
+              <a:buChar char="-"/>
+            </a:pPr>
+            <a:endParaRPr lang="en-GB" dirty="0"/>
+          </a:p>
+        </p:txBody>
+      </p:sp>
+      <p:pic>
+        <p:nvPicPr>
+          <p:cNvPr id="11" name="Picture 10">
+            <a:extLst>
+              <a:ext uri="{FF2B5EF4-FFF2-40B4-BE49-F238E27FC236}">
+                <a16:creationId xmlns:a16="http://schemas.microsoft.com/office/drawing/2014/main" id="{99EB9588-3423-D5B4-822F-855AC65ACBE3}"/>
+              </a:ext>
+            </a:extLst>
+          </p:cNvPr>
+          <p:cNvPicPr>
+            <a:picLocks noChangeAspect="1"/>
+          </p:cNvPicPr>
+          <p:nvPr/>
+        </p:nvPicPr>
+        <p:blipFill>
+          <a:blip r:embed="rId2"/>
+          <a:stretch>
+            <a:fillRect/>
+          </a:stretch>
+        </p:blipFill>
+        <p:spPr>
+          <a:xfrm>
+            <a:off x="1953461" y="3282454"/>
+            <a:ext cx="3729250" cy="3135234"/>
+          </a:xfrm>
+          <a:prstGeom prst="rect">
+            <a:avLst/>
+          </a:prstGeom>
+        </p:spPr>
+      </p:pic>
+      <p:pic>
+        <p:nvPicPr>
+          <p:cNvPr id="12" name="Picture 11">
+            <a:extLst>
+              <a:ext uri="{FF2B5EF4-FFF2-40B4-BE49-F238E27FC236}">
+                <a16:creationId xmlns:a16="http://schemas.microsoft.com/office/drawing/2014/main" id="{9411E35D-83A3-571D-C4CD-5C6B06A9044B}"/>
+              </a:ext>
+            </a:extLst>
+          </p:cNvPr>
+          <p:cNvPicPr>
+            <a:picLocks noChangeAspect="1"/>
+          </p:cNvPicPr>
+          <p:nvPr/>
+        </p:nvPicPr>
+        <p:blipFill>
+          <a:blip r:embed="rId3">
+            <a:extLst>
+              <a:ext uri="{28A0092B-C50C-407E-A947-70E740481C1C}">
+                <a14:useLocalDpi xmlns:a14="http://schemas.microsoft.com/office/drawing/2010/main" val="0"/>
+              </a:ext>
+            </a:extLst>
+          </a:blip>
+          <a:srcRect/>
+          <a:stretch/>
+        </p:blipFill>
+        <p:spPr>
+          <a:xfrm>
+            <a:off x="6706688" y="764583"/>
+            <a:ext cx="4964154" cy="5460569"/>
+          </a:xfrm>
+          <a:prstGeom prst="rect">
+            <a:avLst/>
+          </a:prstGeom>
+        </p:spPr>
+      </p:pic>
     </p:spTree>
     <p:extLst>
       <p:ext uri="{BB962C8B-B14F-4D97-AF65-F5344CB8AC3E}">
@@ -2988,6 +4064,409 @@
   <p:clrMapOvr>
     <a:masterClrMapping/>
   </p:clrMapOvr>
+  <p:timing>
+    <p:tnLst>
+      <p:par>
+        <p:cTn id="1" dur="indefinite" restart="never" nodeType="tmRoot">
+          <p:childTnLst>
+            <p:seq concurrent="1" nextAc="seek">
+              <p:cTn id="2" dur="indefinite" nodeType="mainSeq">
+                <p:childTnLst>
+                  <p:par>
+                    <p:cTn id="3" fill="hold">
+                      <p:stCondLst>
+                        <p:cond delay="indefinite"/>
+                      </p:stCondLst>
+                      <p:childTnLst>
+                        <p:par>
+                          <p:cTn id="4" fill="hold">
+                            <p:stCondLst>
+                              <p:cond delay="0"/>
+                            </p:stCondLst>
+                            <p:childTnLst>
+                              <p:par>
+                                <p:cTn id="5" presetID="10" presetClass="entr" presetSubtype="0" fill="hold" grpId="0" nodeType="clickEffect">
+                                  <p:stCondLst>
+                                    <p:cond delay="0"/>
+                                  </p:stCondLst>
+                                  <p:childTnLst>
+                                    <p:set>
+                                      <p:cBhvr>
+                                        <p:cTn id="6" dur="1" fill="hold">
+                                          <p:stCondLst>
+                                            <p:cond delay="0"/>
+                                          </p:stCondLst>
+                                        </p:cTn>
+                                        <p:tgtEl>
+                                          <p:spTgt spid="7"/>
+                                        </p:tgtEl>
+                                        <p:attrNameLst>
+                                          <p:attrName>style.visibility</p:attrName>
+                                        </p:attrNameLst>
+                                      </p:cBhvr>
+                                      <p:to>
+                                        <p:strVal val="visible"/>
+                                      </p:to>
+                                    </p:set>
+                                    <p:animEffect transition="in" filter="fade">
+                                      <p:cBhvr>
+                                        <p:cTn id="7" dur="500"/>
+                                        <p:tgtEl>
+                                          <p:spTgt spid="7"/>
+                                        </p:tgtEl>
+                                      </p:cBhvr>
+                                    </p:animEffect>
+                                  </p:childTnLst>
+                                </p:cTn>
+                              </p:par>
+                            </p:childTnLst>
+                          </p:cTn>
+                        </p:par>
+                      </p:childTnLst>
+                    </p:cTn>
+                  </p:par>
+                </p:childTnLst>
+              </p:cTn>
+              <p:prevCondLst>
+                <p:cond evt="onPrev" delay="0">
+                  <p:tgtEl>
+                    <p:sldTgt/>
+                  </p:tgtEl>
+                </p:cond>
+              </p:prevCondLst>
+              <p:nextCondLst>
+                <p:cond evt="onNext" delay="0">
+                  <p:tgtEl>
+                    <p:sldTgt/>
+                  </p:tgtEl>
+                </p:cond>
+              </p:nextCondLst>
+            </p:seq>
+          </p:childTnLst>
+        </p:cTn>
+      </p:par>
+    </p:tnLst>
+    <p:bldLst>
+      <p:bldP spid="7" grpId="0"/>
+    </p:bldLst>
+  </p:timing>
+</p:sld>
+</file>
+
+<file path=ppt/slides/slide4.xml><?xml version="1.0" encoding="utf-8"?>
+<p:sld xmlns:a="http://schemas.openxmlformats.org/drawingml/2006/main" xmlns:r="http://schemas.openxmlformats.org/officeDocument/2006/relationships" xmlns:p="http://schemas.openxmlformats.org/presentationml/2006/main">
+  <p:cSld>
+    <p:spTree>
+      <p:nvGrpSpPr>
+        <p:cNvPr id="1" name=""/>
+        <p:cNvGrpSpPr/>
+        <p:nvPr/>
+      </p:nvGrpSpPr>
+      <p:grpSpPr>
+        <a:xfrm>
+          <a:off x="0" y="0"/>
+          <a:ext cx="0" cy="0"/>
+          <a:chOff x="0" y="0"/>
+          <a:chExt cx="0" cy="0"/>
+        </a:xfrm>
+      </p:grpSpPr>
+      <p:sp>
+        <p:nvSpPr>
+          <p:cNvPr id="2" name="Title 1">
+            <a:extLst>
+              <a:ext uri="{FF2B5EF4-FFF2-40B4-BE49-F238E27FC236}">
+                <a16:creationId xmlns:a16="http://schemas.microsoft.com/office/drawing/2014/main" id="{5F311235-8B49-2D2B-4CAC-E546B1610B1F}"/>
+              </a:ext>
+            </a:extLst>
+          </p:cNvPr>
+          <p:cNvSpPr>
+            <a:spLocks noGrp="1"/>
+          </p:cNvSpPr>
+          <p:nvPr>
+            <p:ph type="title"/>
+          </p:nvPr>
+        </p:nvSpPr>
+        <p:spPr/>
+        <p:txBody>
+          <a:bodyPr/>
+          <a:lstStyle/>
+          <a:p>
+            <a:r>
+              <a:rPr lang="en-GB" dirty="0"/>
+              <a:t>Soft Robotics</a:t>
+            </a:r>
+          </a:p>
+        </p:txBody>
+      </p:sp>
+      <p:sp>
+        <p:nvSpPr>
+          <p:cNvPr id="4" name="Slide Number Placeholder 3">
+            <a:extLst>
+              <a:ext uri="{FF2B5EF4-FFF2-40B4-BE49-F238E27FC236}">
+                <a16:creationId xmlns:a16="http://schemas.microsoft.com/office/drawing/2014/main" id="{DA97E73B-3748-E13D-549C-3113D6CB0F11}"/>
+              </a:ext>
+            </a:extLst>
+          </p:cNvPr>
+          <p:cNvSpPr>
+            <a:spLocks noGrp="1"/>
+          </p:cNvSpPr>
+          <p:nvPr>
+            <p:ph type="sldNum" sz="quarter" idx="12"/>
+          </p:nvPr>
+        </p:nvSpPr>
+        <p:spPr/>
+        <p:txBody>
+          <a:bodyPr/>
+          <a:lstStyle/>
+          <a:p>
+            <a:fld id="{A49DBD16-F768-441B-B441-085DFDA42E8E}" type="slidenum">
+              <a:rPr lang="en-GB" smtClean="0"/>
+              <a:t>4</a:t>
+            </a:fld>
+            <a:endParaRPr lang="en-GB"/>
+          </a:p>
+        </p:txBody>
+      </p:sp>
+      <p:sp>
+        <p:nvSpPr>
+          <p:cNvPr id="3" name="TextBox 2">
+            <a:extLst>
+              <a:ext uri="{FF2B5EF4-FFF2-40B4-BE49-F238E27FC236}">
+                <a16:creationId xmlns:a16="http://schemas.microsoft.com/office/drawing/2014/main" id="{D618F002-4BA5-BA34-7898-0AC3EA5E7D18}"/>
+              </a:ext>
+            </a:extLst>
+          </p:cNvPr>
+          <p:cNvSpPr txBox="1"/>
+          <p:nvPr/>
+        </p:nvSpPr>
+        <p:spPr>
+          <a:xfrm>
+            <a:off x="1183037" y="1446508"/>
+            <a:ext cx="5331417" cy="1754326"/>
+          </a:xfrm>
+          <a:prstGeom prst="rect">
+            <a:avLst/>
+          </a:prstGeom>
+          <a:noFill/>
+        </p:spPr>
+        <p:txBody>
+          <a:bodyPr wrap="square" rtlCol="0">
+            <a:spAutoFit/>
+          </a:bodyPr>
+          <a:lstStyle/>
+          <a:p>
+            <a:pPr marL="285750" indent="-285750">
+              <a:buFontTx/>
+              <a:buChar char="-"/>
+            </a:pPr>
+            <a:r>
+              <a:rPr lang="en-GB" dirty="0"/>
+              <a:t>Rubberised skin</a:t>
+            </a:r>
+          </a:p>
+          <a:p>
+            <a:pPr marL="285750" indent="-285750">
+              <a:buFontTx/>
+              <a:buChar char="-"/>
+            </a:pPr>
+            <a:r>
+              <a:rPr lang="en-GB" dirty="0"/>
+              <a:t>Flexible and extendable appendages</a:t>
+            </a:r>
+          </a:p>
+          <a:p>
+            <a:pPr marL="285750" indent="-285750">
+              <a:buFontTx/>
+              <a:buChar char="-"/>
+            </a:pPr>
+            <a:r>
+              <a:rPr lang="en-GB" dirty="0"/>
+              <a:t>Built-in impact resistance</a:t>
+            </a:r>
+          </a:p>
+          <a:p>
+            <a:pPr marL="285750" indent="-285750">
+              <a:buFontTx/>
+              <a:buChar char="-"/>
+            </a:pPr>
+            <a:r>
+              <a:rPr lang="en-GB" dirty="0"/>
+              <a:t>Deflectable so can be </a:t>
+            </a:r>
+          </a:p>
+          <a:p>
+            <a:pPr marL="285750" indent="-285750">
+              <a:buFontTx/>
+              <a:buChar char="-"/>
+            </a:pPr>
+            <a:r>
+              <a:rPr lang="en-GB" dirty="0"/>
+              <a:t>Can inflate to very large size without large weight penalty</a:t>
+            </a:r>
+          </a:p>
+        </p:txBody>
+      </p:sp>
+      <p:pic>
+        <p:nvPicPr>
+          <p:cNvPr id="6" name="Picture 5">
+            <a:extLst>
+              <a:ext uri="{FF2B5EF4-FFF2-40B4-BE49-F238E27FC236}">
+                <a16:creationId xmlns:a16="http://schemas.microsoft.com/office/drawing/2014/main" id="{60FD8C29-94DD-C1B0-FD64-CFA04519CBA8}"/>
+              </a:ext>
+            </a:extLst>
+          </p:cNvPr>
+          <p:cNvPicPr>
+            <a:picLocks noChangeAspect="1"/>
+          </p:cNvPicPr>
+          <p:nvPr/>
+        </p:nvPicPr>
+        <p:blipFill>
+          <a:blip r:embed="rId2"/>
+          <a:stretch>
+            <a:fillRect/>
+          </a:stretch>
+        </p:blipFill>
+        <p:spPr>
+          <a:xfrm>
+            <a:off x="1953461" y="3282454"/>
+            <a:ext cx="3729250" cy="3135234"/>
+          </a:xfrm>
+          <a:prstGeom prst="rect">
+            <a:avLst/>
+          </a:prstGeom>
+        </p:spPr>
+      </p:pic>
+      <p:pic>
+        <p:nvPicPr>
+          <p:cNvPr id="7" name="Picture 6">
+            <a:extLst>
+              <a:ext uri="{FF2B5EF4-FFF2-40B4-BE49-F238E27FC236}">
+                <a16:creationId xmlns:a16="http://schemas.microsoft.com/office/drawing/2014/main" id="{DABE3250-5799-D314-A887-AD5DFC470AD7}"/>
+              </a:ext>
+            </a:extLst>
+          </p:cNvPr>
+          <p:cNvPicPr>
+            <a:picLocks noChangeAspect="1"/>
+          </p:cNvPicPr>
+          <p:nvPr/>
+        </p:nvPicPr>
+        <p:blipFill>
+          <a:blip r:embed="rId3">
+            <a:extLst>
+              <a:ext uri="{28A0092B-C50C-407E-A947-70E740481C1C}">
+                <a14:useLocalDpi xmlns:a14="http://schemas.microsoft.com/office/drawing/2010/main" val="0"/>
+              </a:ext>
+            </a:extLst>
+          </a:blip>
+          <a:srcRect/>
+          <a:stretch/>
+        </p:blipFill>
+        <p:spPr>
+          <a:xfrm>
+            <a:off x="6706688" y="764583"/>
+            <a:ext cx="4964154" cy="5460569"/>
+          </a:xfrm>
+          <a:prstGeom prst="rect">
+            <a:avLst/>
+          </a:prstGeom>
+        </p:spPr>
+      </p:pic>
+    </p:spTree>
+    <p:extLst>
+      <p:ext uri="{BB962C8B-B14F-4D97-AF65-F5344CB8AC3E}">
+        <p14:creationId xmlns:p14="http://schemas.microsoft.com/office/powerpoint/2010/main" val="2253406692"/>
+      </p:ext>
+    </p:extLst>
+  </p:cSld>
+  <p:clrMapOvr>
+    <a:masterClrMapping/>
+  </p:clrMapOvr>
+  <p:timing>
+    <p:tnLst>
+      <p:par>
+        <p:cTn id="1" dur="indefinite" restart="never" nodeType="tmRoot">
+          <p:childTnLst>
+            <p:seq concurrent="1" nextAc="seek">
+              <p:cTn id="2" dur="indefinite" nodeType="mainSeq">
+                <p:childTnLst>
+                  <p:par>
+                    <p:cTn id="3" fill="hold">
+                      <p:stCondLst>
+                        <p:cond delay="indefinite"/>
+                      </p:stCondLst>
+                      <p:childTnLst>
+                        <p:par>
+                          <p:cTn id="4" fill="hold">
+                            <p:stCondLst>
+                              <p:cond delay="0"/>
+                            </p:stCondLst>
+                            <p:childTnLst>
+                              <p:par>
+                                <p:cTn id="5" presetID="10" presetClass="entr" presetSubtype="0" fill="hold" grpId="0" nodeType="clickEffect">
+                                  <p:stCondLst>
+                                    <p:cond delay="0"/>
+                                  </p:stCondLst>
+                                  <p:childTnLst>
+                                    <p:set>
+                                      <p:cBhvr>
+                                        <p:cTn id="6" dur="1" fill="hold">
+                                          <p:stCondLst>
+                                            <p:cond delay="0"/>
+                                          </p:stCondLst>
+                                        </p:cTn>
+                                        <p:tgtEl>
+                                          <p:spTgt spid="3"/>
+                                        </p:tgtEl>
+                                        <p:attrNameLst>
+                                          <p:attrName>style.visibility</p:attrName>
+                                        </p:attrNameLst>
+                                      </p:cBhvr>
+                                      <p:to>
+                                        <p:strVal val="visible"/>
+                                      </p:to>
+                                    </p:set>
+                                    <p:animEffect transition="in" filter="fade">
+                                      <p:cBhvr>
+                                        <p:cTn id="7" dur="500"/>
+                                        <p:tgtEl>
+                                          <p:spTgt spid="3"/>
+                                        </p:tgtEl>
+                                      </p:cBhvr>
+                                    </p:animEffect>
+                                  </p:childTnLst>
+                                </p:cTn>
+                              </p:par>
+                            </p:childTnLst>
+                          </p:cTn>
+                        </p:par>
+                      </p:childTnLst>
+                    </p:cTn>
+                  </p:par>
+                </p:childTnLst>
+              </p:cTn>
+              <p:prevCondLst>
+                <p:cond evt="onPrev" delay="0">
+                  <p:tgtEl>
+                    <p:sldTgt/>
+                  </p:tgtEl>
+                </p:cond>
+              </p:prevCondLst>
+              <p:nextCondLst>
+                <p:cond evt="onNext" delay="0">
+                  <p:tgtEl>
+                    <p:sldTgt/>
+                  </p:tgtEl>
+                </p:cond>
+              </p:nextCondLst>
+            </p:seq>
+          </p:childTnLst>
+        </p:cTn>
+      </p:par>
+    </p:tnLst>
+    <p:bldLst>
+      <p:bldP spid="3" grpId="0"/>
+    </p:bldLst>
+  </p:timing>
 </p:sld>
 </file>
 
